--- a/05-CrDyn/Pictures/StarkSplitDet.pptx
+++ b/05-CrDyn/Pictures/StarkSplitDet.pptx
@@ -1860,7 +1860,7 @@
           <a:p>
             <a:fld id="{12FC02FB-0848-4BE4-90A1-E3C907943B6A}" type="datetimeFigureOut">
               <a:rPr lang="fr-FR" smtClean="0"/>
-              <a:t>22/06/2017</a:t>
+              <a:t>29/06/2017</a:t>
             </a:fld>
             <a:endParaRPr lang="fr-FR"/>
           </a:p>
@@ -2448,7 +2448,7 @@
               </a:lnSpc>
             </a:pPr>
             <a:r>
-              <a:rPr lang="fr-FR" sz="1200" strike="noStrike">
+              <a:rPr lang="fr-FR" sz="1200" strike="noStrike" dirty="0" err="1" smtClean="0">
                 <a:solidFill>
                   <a:srgbClr val="000000"/>
                 </a:solidFill>
@@ -2457,7 +2457,7 @@
               <a:t>S</a:t>
             </a:r>
             <a:r>
-              <a:rPr lang="fr-FR" sz="1200" strike="noStrike" baseline="-25000">
+              <a:rPr lang="fr-FR" sz="1200" strike="noStrike" baseline="-25000" dirty="0" err="1" smtClean="0">
                 <a:solidFill>
                   <a:srgbClr val="000000"/>
                 </a:solidFill>
@@ -2466,15 +2466,38 @@
               <a:t>z</a:t>
             </a:r>
             <a:r>
-              <a:rPr lang="fr-FR" sz="1200" strike="noStrike">
+              <a:rPr lang="fr-FR" sz="1200" strike="noStrike" dirty="0" smtClean="0">
                 <a:solidFill>
                   <a:srgbClr val="000000"/>
                 </a:solidFill>
                 <a:latin typeface="Times New Roman"/>
               </a:rPr>
-              <a:t>=+1</a:t>
+              <a:t>=</a:t>
             </a:r>
-            <a:endParaRPr/>
+            <a:r>
+              <a:rPr lang="fr-FR" sz="1200" dirty="0">
+                <a:latin typeface="Times New Roman" panose="02020603050405020304" pitchFamily="18" charset="0"/>
+                <a:cs typeface="Times New Roman" panose="02020603050405020304" pitchFamily="18" charset="0"/>
+              </a:rPr>
+              <a:t> </a:t>
+            </a:r>
+            <a:r>
+              <a:rPr lang="fr-FR" sz="1200" dirty="0" smtClean="0">
+                <a:latin typeface="Times New Roman" panose="02020603050405020304" pitchFamily="18" charset="0"/>
+                <a:cs typeface="Times New Roman" panose="02020603050405020304" pitchFamily="18" charset="0"/>
+              </a:rPr>
+              <a:t>–</a:t>
+            </a:r>
+            <a:r>
+              <a:rPr lang="fr-FR" sz="1200" strike="noStrike" dirty="0" smtClean="0">
+                <a:solidFill>
+                  <a:srgbClr val="000000"/>
+                </a:solidFill>
+                <a:latin typeface="Times New Roman"/>
+              </a:rPr>
+              <a:t>1</a:t>
+            </a:r>
+            <a:endParaRPr dirty="0"/>
           </a:p>
         </p:txBody>
       </p:sp>
@@ -2666,7 +2689,7 @@
               </a:lnSpc>
             </a:pPr>
             <a:r>
-              <a:rPr lang="fr-FR" sz="1200" strike="noStrike">
+              <a:rPr lang="fr-FR" sz="1200" strike="noStrike" dirty="0" err="1" smtClean="0">
                 <a:solidFill>
                   <a:srgbClr val="000000"/>
                 </a:solidFill>
@@ -2675,7 +2698,7 @@
               <a:t>S</a:t>
             </a:r>
             <a:r>
-              <a:rPr lang="fr-FR" sz="1200" strike="noStrike" baseline="-25000">
+              <a:rPr lang="fr-FR" sz="1200" strike="noStrike" baseline="-25000" dirty="0" err="1" smtClean="0">
                 <a:solidFill>
                   <a:srgbClr val="000000"/>
                 </a:solidFill>
@@ -2684,15 +2707,15 @@
               <a:t>z</a:t>
             </a:r>
             <a:r>
-              <a:rPr lang="fr-FR" sz="1200" strike="noStrike">
+              <a:rPr lang="fr-FR" sz="1200" strike="noStrike" dirty="0" smtClean="0">
                 <a:solidFill>
                   <a:srgbClr val="000000"/>
                 </a:solidFill>
                 <a:latin typeface="Times New Roman"/>
               </a:rPr>
-              <a:t>=-1</a:t>
+              <a:t>=+1</a:t>
             </a:r>
-            <a:endParaRPr/>
+            <a:endParaRPr dirty="0"/>
           </a:p>
         </p:txBody>
       </p:sp>
@@ -3153,7 +3176,7 @@
               </a:lnSpc>
             </a:pPr>
             <a:r>
-              <a:rPr lang="fr-FR" sz="1400" strike="noStrike">
+              <a:rPr lang="fr-FR" sz="1400" strike="noStrike" dirty="0">
                 <a:solidFill>
                   <a:srgbClr val="000000"/>
                 </a:solidFill>
@@ -3161,7 +3184,7 @@
               </a:rPr>
               <a:t>(1)</a:t>
             </a:r>
-            <a:endParaRPr/>
+            <a:endParaRPr dirty="0"/>
           </a:p>
         </p:txBody>
       </p:sp>
@@ -3278,27 +3301,27 @@
               </a:lnSpc>
             </a:pPr>
             <a:r>
-              <a:rPr lang="fr-FR" sz="1400" strike="noStrike">
+              <a:rPr lang="fr-FR" sz="1400" strike="noStrike" dirty="0" smtClean="0">
                 <a:solidFill>
                   <a:srgbClr val="000000"/>
                 </a:solidFill>
                 <a:latin typeface="Times New Roman"/>
               </a:rPr>
-              <a:t>(4)</a:t>
+              <a:t>(5)</a:t>
             </a:r>
-            <a:endParaRPr/>
-          </a:p>
-        </p:txBody>
-      </p:sp>
-      <p:sp>
-        <p:nvSpPr>
-          <p:cNvPr id="275" name="CustomShape 34"/>
+            <a:endParaRPr dirty="0"/>
+          </a:p>
+        </p:txBody>
+      </p:sp>
+      <p:sp>
+        <p:nvSpPr>
+          <p:cNvPr id="276" name="CustomShape 35"/>
           <p:cNvSpPr/>
           <p:nvPr/>
         </p:nvSpPr>
         <p:spPr>
           <a:xfrm>
-            <a:off x="2339631" y="2241993"/>
+            <a:off x="2176191" y="1414353"/>
             <a:ext cx="389880" cy="303480"/>
           </a:xfrm>
           <a:prstGeom prst="rect">
@@ -3331,28 +3354,28 @@
               </a:lnSpc>
             </a:pPr>
             <a:r>
-              <a:rPr lang="fr-FR" sz="1400" strike="noStrike">
+              <a:rPr lang="fr-FR" sz="1400" strike="noStrike" dirty="0" smtClean="0">
                 <a:solidFill>
                   <a:srgbClr val="000000"/>
                 </a:solidFill>
                 <a:latin typeface="Times New Roman"/>
               </a:rPr>
-              <a:t>(2)</a:t>
+              <a:t>(4)</a:t>
             </a:r>
-            <a:endParaRPr/>
-          </a:p>
-        </p:txBody>
-      </p:sp>
-      <p:sp>
-        <p:nvSpPr>
-          <p:cNvPr id="276" name="CustomShape 35"/>
+            <a:endParaRPr dirty="0"/>
+          </a:p>
+        </p:txBody>
+      </p:sp>
+      <p:sp>
+        <p:nvSpPr>
+          <p:cNvPr id="277" name="CustomShape 36"/>
           <p:cNvSpPr/>
           <p:nvPr/>
         </p:nvSpPr>
         <p:spPr>
           <a:xfrm>
-            <a:off x="2176191" y="1414353"/>
-            <a:ext cx="389880" cy="303480"/>
+            <a:off x="6268671" y="3656702"/>
+            <a:ext cx="417240" cy="333720"/>
           </a:xfrm>
           <a:prstGeom prst="rect">
             <a:avLst/>
@@ -3384,27 +3407,27 @@
               </a:lnSpc>
             </a:pPr>
             <a:r>
-              <a:rPr lang="fr-FR" sz="1400" strike="noStrike">
+              <a:rPr lang="fr-FR" sz="1600" b="1" strike="noStrike" dirty="0" smtClean="0">
                 <a:solidFill>
-                  <a:srgbClr val="000000"/>
+                  <a:srgbClr val="FFFFFF"/>
                 </a:solidFill>
                 <a:latin typeface="Times New Roman"/>
               </a:rPr>
-              <a:t>(3)</a:t>
+              <a:t>(4)</a:t>
             </a:r>
-            <a:endParaRPr/>
-          </a:p>
-        </p:txBody>
-      </p:sp>
-      <p:sp>
-        <p:nvSpPr>
-          <p:cNvPr id="277" name="CustomShape 36"/>
+            <a:endParaRPr dirty="0"/>
+          </a:p>
+        </p:txBody>
+      </p:sp>
+      <p:sp>
+        <p:nvSpPr>
+          <p:cNvPr id="278" name="CustomShape 37"/>
           <p:cNvSpPr/>
           <p:nvPr/>
         </p:nvSpPr>
         <p:spPr>
           <a:xfrm>
-            <a:off x="6268671" y="3656702"/>
+            <a:off x="4612671" y="3645902"/>
             <a:ext cx="417240" cy="333720"/>
           </a:xfrm>
           <a:prstGeom prst="rect">
@@ -3437,68 +3460,15 @@
               </a:lnSpc>
             </a:pPr>
             <a:r>
-              <a:rPr lang="fr-FR" sz="1600" b="1" strike="noStrike">
+              <a:rPr lang="fr-FR" sz="1600" b="1" strike="noStrike" dirty="0" smtClean="0">
                 <a:solidFill>
                   <a:srgbClr val="FFFFFF"/>
                 </a:solidFill>
                 <a:latin typeface="Times New Roman"/>
               </a:rPr>
-              <a:t>(3)</a:t>
+              <a:t>(5)</a:t>
             </a:r>
-            <a:endParaRPr/>
-          </a:p>
-        </p:txBody>
-      </p:sp>
-      <p:sp>
-        <p:nvSpPr>
-          <p:cNvPr id="278" name="CustomShape 37"/>
-          <p:cNvSpPr/>
-          <p:nvPr/>
-        </p:nvSpPr>
-        <p:spPr>
-          <a:xfrm>
-            <a:off x="4612671" y="3645902"/>
-            <a:ext cx="417240" cy="333720"/>
-          </a:xfrm>
-          <a:prstGeom prst="rect">
-            <a:avLst/>
-          </a:prstGeom>
-          <a:noFill/>
-          <a:ln>
-            <a:noFill/>
-          </a:ln>
-        </p:spPr>
-        <p:style>
-          <a:lnRef idx="0">
-            <a:scrgbClr r="0" g="0" b="0"/>
-          </a:lnRef>
-          <a:fillRef idx="0">
-            <a:scrgbClr r="0" g="0" b="0"/>
-          </a:fillRef>
-          <a:effectRef idx="0">
-            <a:scrgbClr r="0" g="0" b="0"/>
-          </a:effectRef>
-          <a:fontRef idx="minor"/>
-        </p:style>
-        <p:txBody>
-          <a:bodyPr wrap="none" lIns="90000" tIns="45000" rIns="90000" bIns="45000"/>
-          <a:lstStyle/>
-          <a:p>
-            <a:pPr>
-              <a:lnSpc>
-                <a:spcPct val="100000"/>
-              </a:lnSpc>
-            </a:pPr>
-            <a:r>
-              <a:rPr lang="fr-FR" sz="1600" b="1" strike="noStrike">
-                <a:solidFill>
-                  <a:srgbClr val="FFFFFF"/>
-                </a:solidFill>
-                <a:latin typeface="Times New Roman"/>
-              </a:rPr>
-              <a:t>(4)</a:t>
-            </a:r>
-            <a:endParaRPr/>
+            <a:endParaRPr dirty="0"/>
           </a:p>
         </p:txBody>
       </p:sp>
@@ -3523,72 +3493,6 @@
             <a:custDash>
               <a:ds d="100000" sp="100000"/>
             </a:custDash>
-            <a:round/>
-          </a:ln>
-        </p:spPr>
-      </p:sp>
-      <p:sp>
-        <p:nvSpPr>
-          <p:cNvPr id="280" name="Line 39"/>
-          <p:cNvSpPr/>
-          <p:nvPr/>
-        </p:nvSpPr>
-        <p:spPr>
-          <a:xfrm>
-            <a:off x="2429991" y="2567073"/>
-            <a:ext cx="0" cy="124200"/>
-          </a:xfrm>
-          <a:prstGeom prst="line">
-            <a:avLst/>
-          </a:prstGeom>
-          <a:ln>
-            <a:solidFill>
-              <a:schemeClr val="tx1"/>
-            </a:solidFill>
-            <a:round/>
-          </a:ln>
-        </p:spPr>
-      </p:sp>
-      <p:sp>
-        <p:nvSpPr>
-          <p:cNvPr id="281" name="Line 40"/>
-          <p:cNvSpPr/>
-          <p:nvPr/>
-        </p:nvSpPr>
-        <p:spPr>
-          <a:xfrm>
-            <a:off x="2426391" y="2567073"/>
-            <a:ext cx="154800" cy="0"/>
-          </a:xfrm>
-          <a:prstGeom prst="line">
-            <a:avLst/>
-          </a:prstGeom>
-          <a:ln>
-            <a:solidFill>
-              <a:schemeClr val="tx1"/>
-            </a:solidFill>
-            <a:round/>
-          </a:ln>
-        </p:spPr>
-      </p:sp>
-      <p:sp>
-        <p:nvSpPr>
-          <p:cNvPr id="282" name="Line 41"/>
-          <p:cNvSpPr/>
-          <p:nvPr/>
-        </p:nvSpPr>
-        <p:spPr>
-          <a:xfrm>
-            <a:off x="2581191" y="2567073"/>
-            <a:ext cx="0" cy="124200"/>
-          </a:xfrm>
-          <a:prstGeom prst="line">
-            <a:avLst/>
-          </a:prstGeom>
-          <a:ln>
-            <a:solidFill>
-              <a:schemeClr val="tx1"/>
-            </a:solidFill>
             <a:round/>
           </a:ln>
         </p:spPr>
